--- a/Kel4_DeskripsiAwal_LesOn!_v1.pptx
+++ b/Kel4_DeskripsiAwal_LesOn!_v1.pptx
@@ -22,7 +22,7 @@
   <p:notesSz cx="6858000" cy="9144000"/>
   <p:embeddedFontLst>
     <p:embeddedFont>
-      <p:font typeface="Alegreya Sans Bold" panose="020B0604020202020204" charset="0"/>
+      <p:font typeface="Rubik Light Italics" panose="020B0604020202020204" charset="-79"/>
       <p:regular r:id="rId14"/>
     </p:embeddedFont>
     <p:embeddedFont>
@@ -30,38 +30,38 @@
       <p:regular r:id="rId15"/>
     </p:embeddedFont>
     <p:embeddedFont>
+      <p:font typeface="Glacial Indifference Bold" panose="020B0604020202020204" charset="0"/>
+      <p:regular r:id="rId16"/>
+    </p:embeddedFont>
+    <p:embeddedFont>
+      <p:font typeface="Rubik Medium" panose="020B0604020202020204" charset="-79"/>
+      <p:regular r:id="rId17"/>
+    </p:embeddedFont>
+    <p:embeddedFont>
+      <p:font typeface="Rubik Light" panose="020B0604020202020204" charset="-79"/>
+      <p:regular r:id="rId18"/>
+    </p:embeddedFont>
+    <p:embeddedFont>
+      <p:font typeface="Open Sauce Light Bold" panose="020B0604020202020204" charset="0"/>
+      <p:regular r:id="rId19"/>
+    </p:embeddedFont>
+    <p:embeddedFont>
+      <p:font typeface="Rubik One" panose="020B0604020202020204" charset="-79"/>
+      <p:regular r:id="rId20"/>
+    </p:embeddedFont>
+    <p:embeddedFont>
       <p:font typeface="Calibri" panose="020F0502020204030204" pitchFamily="34" charset="0"/>
-      <p:regular r:id="rId16"/>
-      <p:bold r:id="rId17"/>
-      <p:italic r:id="rId18"/>
-      <p:boldItalic r:id="rId19"/>
+      <p:regular r:id="rId21"/>
+      <p:bold r:id="rId22"/>
+      <p:italic r:id="rId23"/>
+      <p:boldItalic r:id="rId24"/>
     </p:embeddedFont>
     <p:embeddedFont>
       <p:font typeface="Fredoka One" panose="020B0604020202020204" charset="0"/>
-      <p:regular r:id="rId20"/>
-    </p:embeddedFont>
-    <p:embeddedFont>
-      <p:font typeface="Glacial Indifference Bold" panose="020B0604020202020204" charset="0"/>
-      <p:regular r:id="rId21"/>
-    </p:embeddedFont>
-    <p:embeddedFont>
-      <p:font typeface="Open Sauce Light Bold" panose="020B0604020202020204" charset="0"/>
-      <p:regular r:id="rId22"/>
-    </p:embeddedFont>
-    <p:embeddedFont>
-      <p:font typeface="Rubik Light" panose="020B0604020202020204" charset="-79"/>
-      <p:regular r:id="rId23"/>
-    </p:embeddedFont>
-    <p:embeddedFont>
-      <p:font typeface="Rubik Light Italics" panose="020B0604020202020204" charset="-79"/>
-      <p:regular r:id="rId24"/>
-    </p:embeddedFont>
-    <p:embeddedFont>
-      <p:font typeface="Rubik Medium" panose="020B0604020202020204" charset="-79"/>
       <p:regular r:id="rId25"/>
     </p:embeddedFont>
     <p:embeddedFont>
-      <p:font typeface="Rubik One" panose="020B0604020202020204" charset="-79"/>
+      <p:font typeface="Alegreya Sans Bold" panose="020B0604020202020204" charset="0"/>
       <p:regular r:id="rId26"/>
     </p:embeddedFont>
   </p:embeddedFontLst>
@@ -8038,13 +8038,589 @@
               </a:lnSpc>
             </a:pPr>
             <a:r>
-              <a:rPr lang="en-US" sz="2000" spc="400">
-                <a:solidFill>
-                  <a:srgbClr val="000000"/>
-                </a:solidFill>
-                <a:latin typeface="Rubik Light"/>
-              </a:rPr>
-              <a:t>sistem informasi yang kami rancang dengan prinsip berbasis pendidikan yang berisikan bimbingan belajar online di Indonesia yang mempermudah murid mendapatkan ilmu sampai dimengerti. Mulai dari forum tanya-jawab, les privat, serta artikel yang dapat diakses oleh murid. Konten ini tersedia untuk jenjang mulai dari SD, SMP, hingga SMA.</a:t>
+              <a:rPr lang="en-US" sz="2000" spc="400" dirty="0" err="1">
+                <a:solidFill>
+                  <a:srgbClr val="000000"/>
+                </a:solidFill>
+                <a:latin typeface="Rubik Light"/>
+              </a:rPr>
+              <a:t>S</a:t>
+            </a:r>
+            <a:r>
+              <a:rPr lang="en-US" sz="2000" spc="400" dirty="0" err="1" smtClean="0">
+                <a:solidFill>
+                  <a:srgbClr val="000000"/>
+                </a:solidFill>
+                <a:latin typeface="Rubik Light"/>
+              </a:rPr>
+              <a:t>istem</a:t>
+            </a:r>
+            <a:r>
+              <a:rPr lang="en-US" sz="2000" spc="400" dirty="0" smtClean="0">
+                <a:solidFill>
+                  <a:srgbClr val="000000"/>
+                </a:solidFill>
+                <a:latin typeface="Rubik Light"/>
+              </a:rPr>
+              <a:t> </a:t>
+            </a:r>
+            <a:r>
+              <a:rPr lang="en-US" sz="2000" spc="400" dirty="0" err="1">
+                <a:solidFill>
+                  <a:srgbClr val="000000"/>
+                </a:solidFill>
+                <a:latin typeface="Rubik Light"/>
+              </a:rPr>
+              <a:t>informasi</a:t>
+            </a:r>
+            <a:r>
+              <a:rPr lang="en-US" sz="2000" spc="400" dirty="0">
+                <a:solidFill>
+                  <a:srgbClr val="000000"/>
+                </a:solidFill>
+                <a:latin typeface="Rubik Light"/>
+              </a:rPr>
+              <a:t> yang kami </a:t>
+            </a:r>
+            <a:r>
+              <a:rPr lang="en-US" sz="2000" spc="400" dirty="0" err="1">
+                <a:solidFill>
+                  <a:srgbClr val="000000"/>
+                </a:solidFill>
+                <a:latin typeface="Rubik Light"/>
+              </a:rPr>
+              <a:t>rancang</a:t>
+            </a:r>
+            <a:r>
+              <a:rPr lang="en-US" sz="2000" spc="400" dirty="0">
+                <a:solidFill>
+                  <a:srgbClr val="000000"/>
+                </a:solidFill>
+                <a:latin typeface="Rubik Light"/>
+              </a:rPr>
+              <a:t> </a:t>
+            </a:r>
+            <a:r>
+              <a:rPr lang="en-US" sz="2000" spc="400" dirty="0" err="1">
+                <a:solidFill>
+                  <a:srgbClr val="000000"/>
+                </a:solidFill>
+                <a:latin typeface="Rubik Light"/>
+              </a:rPr>
+              <a:t>dengan</a:t>
+            </a:r>
+            <a:r>
+              <a:rPr lang="en-US" sz="2000" spc="400" dirty="0">
+                <a:solidFill>
+                  <a:srgbClr val="000000"/>
+                </a:solidFill>
+                <a:latin typeface="Rubik Light"/>
+              </a:rPr>
+              <a:t> </a:t>
+            </a:r>
+            <a:r>
+              <a:rPr lang="en-US" sz="2000" spc="400" dirty="0" err="1">
+                <a:solidFill>
+                  <a:srgbClr val="000000"/>
+                </a:solidFill>
+                <a:latin typeface="Rubik Light"/>
+              </a:rPr>
+              <a:t>prinsip</a:t>
+            </a:r>
+            <a:r>
+              <a:rPr lang="en-US" sz="2000" spc="400" dirty="0">
+                <a:solidFill>
+                  <a:srgbClr val="000000"/>
+                </a:solidFill>
+                <a:latin typeface="Rubik Light"/>
+              </a:rPr>
+              <a:t> </a:t>
+            </a:r>
+            <a:r>
+              <a:rPr lang="en-US" sz="2000" spc="400" dirty="0" err="1">
+                <a:solidFill>
+                  <a:srgbClr val="000000"/>
+                </a:solidFill>
+                <a:latin typeface="Rubik Light"/>
+              </a:rPr>
+              <a:t>berbasis</a:t>
+            </a:r>
+            <a:r>
+              <a:rPr lang="en-US" sz="2000" spc="400" dirty="0">
+                <a:solidFill>
+                  <a:srgbClr val="000000"/>
+                </a:solidFill>
+                <a:latin typeface="Rubik Light"/>
+              </a:rPr>
+              <a:t> </a:t>
+            </a:r>
+            <a:r>
+              <a:rPr lang="en-US" sz="2000" spc="400" dirty="0" err="1">
+                <a:solidFill>
+                  <a:srgbClr val="000000"/>
+                </a:solidFill>
+                <a:latin typeface="Rubik Light"/>
+              </a:rPr>
+              <a:t>pendidikan</a:t>
+            </a:r>
+            <a:r>
+              <a:rPr lang="en-US" sz="2000" spc="400" dirty="0">
+                <a:solidFill>
+                  <a:srgbClr val="000000"/>
+                </a:solidFill>
+                <a:latin typeface="Rubik Light"/>
+              </a:rPr>
+              <a:t> yang </a:t>
+            </a:r>
+            <a:r>
+              <a:rPr lang="en-US" sz="2000" spc="400" dirty="0" err="1">
+                <a:solidFill>
+                  <a:srgbClr val="000000"/>
+                </a:solidFill>
+                <a:latin typeface="Rubik Light"/>
+              </a:rPr>
+              <a:t>berisikan</a:t>
+            </a:r>
+            <a:r>
+              <a:rPr lang="en-US" sz="2000" spc="400" dirty="0">
+                <a:solidFill>
+                  <a:srgbClr val="000000"/>
+                </a:solidFill>
+                <a:latin typeface="Rubik Light"/>
+              </a:rPr>
+              <a:t> </a:t>
+            </a:r>
+            <a:r>
+              <a:rPr lang="en-US" sz="2000" spc="400" dirty="0" err="1">
+                <a:solidFill>
+                  <a:srgbClr val="000000"/>
+                </a:solidFill>
+                <a:latin typeface="Rubik Light"/>
+              </a:rPr>
+              <a:t>bimbingan</a:t>
+            </a:r>
+            <a:r>
+              <a:rPr lang="en-US" sz="2000" spc="400" dirty="0">
+                <a:solidFill>
+                  <a:srgbClr val="000000"/>
+                </a:solidFill>
+                <a:latin typeface="Rubik Light"/>
+              </a:rPr>
+              <a:t> </a:t>
+            </a:r>
+            <a:r>
+              <a:rPr lang="en-US" sz="2000" spc="400" dirty="0" err="1">
+                <a:solidFill>
+                  <a:srgbClr val="000000"/>
+                </a:solidFill>
+                <a:latin typeface="Rubik Light"/>
+              </a:rPr>
+              <a:t>belajar</a:t>
+            </a:r>
+            <a:r>
+              <a:rPr lang="en-US" sz="2000" spc="400" dirty="0">
+                <a:solidFill>
+                  <a:srgbClr val="000000"/>
+                </a:solidFill>
+                <a:latin typeface="Rubik Light"/>
+              </a:rPr>
+              <a:t> online di Indonesia yang </a:t>
+            </a:r>
+            <a:r>
+              <a:rPr lang="en-US" sz="2000" spc="400" dirty="0" err="1">
+                <a:solidFill>
+                  <a:srgbClr val="000000"/>
+                </a:solidFill>
+                <a:latin typeface="Rubik Light"/>
+              </a:rPr>
+              <a:t>mempermudah</a:t>
+            </a:r>
+            <a:r>
+              <a:rPr lang="en-US" sz="2000" spc="400" dirty="0">
+                <a:solidFill>
+                  <a:srgbClr val="000000"/>
+                </a:solidFill>
+                <a:latin typeface="Rubik Light"/>
+              </a:rPr>
+              <a:t> murid </a:t>
+            </a:r>
+            <a:r>
+              <a:rPr lang="en-US" sz="2000" spc="400" dirty="0" err="1">
+                <a:solidFill>
+                  <a:srgbClr val="000000"/>
+                </a:solidFill>
+                <a:latin typeface="Rubik Light"/>
+              </a:rPr>
+              <a:t>mendapatkan</a:t>
+            </a:r>
+            <a:r>
+              <a:rPr lang="en-US" sz="2000" spc="400" dirty="0">
+                <a:solidFill>
+                  <a:srgbClr val="000000"/>
+                </a:solidFill>
+                <a:latin typeface="Rubik Light"/>
+              </a:rPr>
+              <a:t> </a:t>
+            </a:r>
+            <a:r>
+              <a:rPr lang="en-US" sz="2000" spc="400" dirty="0" err="1">
+                <a:solidFill>
+                  <a:srgbClr val="000000"/>
+                </a:solidFill>
+                <a:latin typeface="Rubik Light"/>
+              </a:rPr>
+              <a:t>ilmu</a:t>
+            </a:r>
+            <a:r>
+              <a:rPr lang="en-US" sz="2000" spc="400" dirty="0">
+                <a:solidFill>
+                  <a:srgbClr val="000000"/>
+                </a:solidFill>
+                <a:latin typeface="Rubik Light"/>
+              </a:rPr>
+              <a:t> </a:t>
+            </a:r>
+            <a:r>
+              <a:rPr lang="en-US" sz="2000" spc="400" dirty="0" err="1">
+                <a:solidFill>
+                  <a:srgbClr val="000000"/>
+                </a:solidFill>
+                <a:latin typeface="Rubik Light"/>
+              </a:rPr>
+              <a:t>sampai</a:t>
+            </a:r>
+            <a:r>
+              <a:rPr lang="en-US" sz="2000" spc="400" dirty="0">
+                <a:solidFill>
+                  <a:srgbClr val="000000"/>
+                </a:solidFill>
+                <a:latin typeface="Rubik Light"/>
+              </a:rPr>
+              <a:t> </a:t>
+            </a:r>
+            <a:r>
+              <a:rPr lang="en-US" sz="2000" spc="400" dirty="0" err="1">
+                <a:solidFill>
+                  <a:srgbClr val="000000"/>
+                </a:solidFill>
+                <a:latin typeface="Rubik Light"/>
+              </a:rPr>
+              <a:t>dimengerti</a:t>
+            </a:r>
+            <a:r>
+              <a:rPr lang="en-US" sz="2000" spc="400" dirty="0">
+                <a:solidFill>
+                  <a:srgbClr val="000000"/>
+                </a:solidFill>
+                <a:latin typeface="Rubik Light"/>
+              </a:rPr>
+              <a:t>. </a:t>
+            </a:r>
+            <a:r>
+              <a:rPr lang="en-US" sz="2000" spc="400" dirty="0" err="1">
+                <a:solidFill>
+                  <a:srgbClr val="000000"/>
+                </a:solidFill>
+                <a:latin typeface="Rubik Light"/>
+              </a:rPr>
+              <a:t>Mulai</a:t>
+            </a:r>
+            <a:r>
+              <a:rPr lang="en-US" sz="2000" spc="400" dirty="0">
+                <a:solidFill>
+                  <a:srgbClr val="000000"/>
+                </a:solidFill>
+                <a:latin typeface="Rubik Light"/>
+              </a:rPr>
+              <a:t> </a:t>
+            </a:r>
+            <a:r>
+              <a:rPr lang="en-US" sz="2000" spc="400" dirty="0" err="1">
+                <a:solidFill>
+                  <a:srgbClr val="000000"/>
+                </a:solidFill>
+                <a:latin typeface="Rubik Light"/>
+              </a:rPr>
+              <a:t>dari</a:t>
+            </a:r>
+            <a:r>
+              <a:rPr lang="en-US" sz="2000" spc="400" dirty="0">
+                <a:solidFill>
+                  <a:srgbClr val="000000"/>
+                </a:solidFill>
+                <a:latin typeface="Rubik Light"/>
+              </a:rPr>
+              <a:t> forum </a:t>
+            </a:r>
+            <a:r>
+              <a:rPr lang="en-US" sz="2000" spc="400" dirty="0" err="1">
+                <a:solidFill>
+                  <a:srgbClr val="000000"/>
+                </a:solidFill>
+                <a:latin typeface="Rubik Light"/>
+              </a:rPr>
+              <a:t>tanya-jawab</a:t>
+            </a:r>
+            <a:r>
+              <a:rPr lang="en-US" sz="2000" spc="400" dirty="0">
+                <a:solidFill>
+                  <a:srgbClr val="000000"/>
+                </a:solidFill>
+                <a:latin typeface="Rubik Light"/>
+              </a:rPr>
+              <a:t>, les </a:t>
+            </a:r>
+            <a:r>
+              <a:rPr lang="en-US" sz="2000" spc="400" dirty="0" err="1">
+                <a:solidFill>
+                  <a:srgbClr val="000000"/>
+                </a:solidFill>
+                <a:latin typeface="Rubik Light"/>
+              </a:rPr>
+              <a:t>privat</a:t>
+            </a:r>
+            <a:r>
+              <a:rPr lang="en-US" sz="2000" spc="400" dirty="0">
+                <a:solidFill>
+                  <a:srgbClr val="000000"/>
+                </a:solidFill>
+                <a:latin typeface="Rubik Light"/>
+              </a:rPr>
+              <a:t>, </a:t>
+            </a:r>
+            <a:r>
+              <a:rPr lang="en-US" sz="2000" spc="400" dirty="0" err="1">
+                <a:solidFill>
+                  <a:srgbClr val="000000"/>
+                </a:solidFill>
+                <a:latin typeface="Rubik Light"/>
+              </a:rPr>
+              <a:t>serta</a:t>
+            </a:r>
+            <a:r>
+              <a:rPr lang="en-US" sz="2000" spc="400" dirty="0">
+                <a:solidFill>
+                  <a:srgbClr val="000000"/>
+                </a:solidFill>
+                <a:latin typeface="Rubik Light"/>
+              </a:rPr>
+              <a:t> </a:t>
+            </a:r>
+            <a:r>
+              <a:rPr lang="en-US" sz="2000" spc="400" dirty="0" err="1">
+                <a:solidFill>
+                  <a:srgbClr val="000000"/>
+                </a:solidFill>
+                <a:latin typeface="Rubik Light"/>
+              </a:rPr>
+              <a:t>artikel</a:t>
+            </a:r>
+            <a:r>
+              <a:rPr lang="en-US" sz="2000" spc="400" dirty="0">
+                <a:solidFill>
+                  <a:srgbClr val="000000"/>
+                </a:solidFill>
+                <a:latin typeface="Rubik Light"/>
+              </a:rPr>
+              <a:t> yang </a:t>
+            </a:r>
+            <a:r>
+              <a:rPr lang="en-US" sz="2000" spc="400" dirty="0" err="1">
+                <a:solidFill>
+                  <a:srgbClr val="000000"/>
+                </a:solidFill>
+                <a:latin typeface="Rubik Light"/>
+              </a:rPr>
+              <a:t>dapat</a:t>
+            </a:r>
+            <a:r>
+              <a:rPr lang="en-US" sz="2000" spc="400" dirty="0">
+                <a:solidFill>
+                  <a:srgbClr val="000000"/>
+                </a:solidFill>
+                <a:latin typeface="Rubik Light"/>
+              </a:rPr>
+              <a:t> </a:t>
+            </a:r>
+            <a:r>
+              <a:rPr lang="en-US" sz="2000" spc="400" dirty="0" err="1">
+                <a:solidFill>
+                  <a:srgbClr val="000000"/>
+                </a:solidFill>
+                <a:latin typeface="Rubik Light"/>
+              </a:rPr>
+              <a:t>diakses</a:t>
+            </a:r>
+            <a:r>
+              <a:rPr lang="en-US" sz="2000" spc="400" dirty="0">
+                <a:solidFill>
+                  <a:srgbClr val="000000"/>
+                </a:solidFill>
+                <a:latin typeface="Rubik Light"/>
+              </a:rPr>
+              <a:t> </a:t>
+            </a:r>
+            <a:r>
+              <a:rPr lang="en-US" sz="2000" spc="400" dirty="0" err="1">
+                <a:solidFill>
+                  <a:srgbClr val="000000"/>
+                </a:solidFill>
+                <a:latin typeface="Rubik Light"/>
+              </a:rPr>
+              <a:t>oleh</a:t>
+            </a:r>
+            <a:r>
+              <a:rPr lang="en-US" sz="2000" spc="400" dirty="0">
+                <a:solidFill>
+                  <a:srgbClr val="000000"/>
+                </a:solidFill>
+                <a:latin typeface="Rubik Light"/>
+              </a:rPr>
+              <a:t> murid. </a:t>
+            </a:r>
+            <a:r>
+              <a:rPr lang="en-US" sz="2000" spc="400" dirty="0" err="1">
+                <a:solidFill>
+                  <a:srgbClr val="000000"/>
+                </a:solidFill>
+                <a:latin typeface="Rubik Light"/>
+              </a:rPr>
+              <a:t>Konten</a:t>
+            </a:r>
+            <a:r>
+              <a:rPr lang="en-US" sz="2000" spc="400" dirty="0">
+                <a:solidFill>
+                  <a:srgbClr val="000000"/>
+                </a:solidFill>
+                <a:latin typeface="Rubik Light"/>
+              </a:rPr>
+              <a:t> </a:t>
+            </a:r>
+            <a:r>
+              <a:rPr lang="en-US" sz="2000" spc="400" dirty="0" err="1">
+                <a:solidFill>
+                  <a:srgbClr val="000000"/>
+                </a:solidFill>
+                <a:latin typeface="Rubik Light"/>
+              </a:rPr>
+              <a:t>ini</a:t>
+            </a:r>
+            <a:r>
+              <a:rPr lang="en-US" sz="2000" spc="400" dirty="0">
+                <a:solidFill>
+                  <a:srgbClr val="000000"/>
+                </a:solidFill>
+                <a:latin typeface="Rubik Light"/>
+              </a:rPr>
+              <a:t> </a:t>
+            </a:r>
+            <a:r>
+              <a:rPr lang="en-US" sz="2000" spc="400" dirty="0" err="1">
+                <a:solidFill>
+                  <a:srgbClr val="000000"/>
+                </a:solidFill>
+                <a:latin typeface="Rubik Light"/>
+              </a:rPr>
+              <a:t>tersedia</a:t>
+            </a:r>
+            <a:r>
+              <a:rPr lang="en-US" sz="2000" spc="400" dirty="0">
+                <a:solidFill>
+                  <a:srgbClr val="000000"/>
+                </a:solidFill>
+                <a:latin typeface="Rubik Light"/>
+              </a:rPr>
+              <a:t> </a:t>
+            </a:r>
+            <a:r>
+              <a:rPr lang="en-US" sz="2000" spc="400" dirty="0" err="1">
+                <a:solidFill>
+                  <a:srgbClr val="000000"/>
+                </a:solidFill>
+                <a:latin typeface="Rubik Light"/>
+              </a:rPr>
+              <a:t>untuk</a:t>
+            </a:r>
+            <a:r>
+              <a:rPr lang="en-US" sz="2000" spc="400" dirty="0">
+                <a:solidFill>
+                  <a:srgbClr val="000000"/>
+                </a:solidFill>
+                <a:latin typeface="Rubik Light"/>
+              </a:rPr>
+              <a:t> </a:t>
+            </a:r>
+            <a:r>
+              <a:rPr lang="en-US" sz="2000" spc="400" dirty="0" err="1">
+                <a:solidFill>
+                  <a:srgbClr val="000000"/>
+                </a:solidFill>
+                <a:latin typeface="Rubik Light"/>
+              </a:rPr>
+              <a:t>jenjang</a:t>
+            </a:r>
+            <a:r>
+              <a:rPr lang="en-US" sz="2000" spc="400" dirty="0">
+                <a:solidFill>
+                  <a:srgbClr val="000000"/>
+                </a:solidFill>
+                <a:latin typeface="Rubik Light"/>
+              </a:rPr>
+              <a:t> </a:t>
+            </a:r>
+            <a:r>
+              <a:rPr lang="en-US" sz="2000" spc="400" dirty="0" err="1">
+                <a:solidFill>
+                  <a:srgbClr val="000000"/>
+                </a:solidFill>
+                <a:latin typeface="Rubik Light"/>
+              </a:rPr>
+              <a:t>mulai</a:t>
+            </a:r>
+            <a:r>
+              <a:rPr lang="en-US" sz="2000" spc="400" dirty="0">
+                <a:solidFill>
+                  <a:srgbClr val="000000"/>
+                </a:solidFill>
+                <a:latin typeface="Rubik Light"/>
+              </a:rPr>
+              <a:t> </a:t>
+            </a:r>
+            <a:r>
+              <a:rPr lang="en-US" sz="2000" spc="400" dirty="0" err="1">
+                <a:solidFill>
+                  <a:srgbClr val="000000"/>
+                </a:solidFill>
+                <a:latin typeface="Rubik Light"/>
+              </a:rPr>
+              <a:t>dari</a:t>
+            </a:r>
+            <a:r>
+              <a:rPr lang="en-US" sz="2000" spc="400" dirty="0">
+                <a:solidFill>
+                  <a:srgbClr val="000000"/>
+                </a:solidFill>
+                <a:latin typeface="Rubik Light"/>
+              </a:rPr>
+              <a:t> SD, SMP, </a:t>
+            </a:r>
+            <a:r>
+              <a:rPr lang="en-US" sz="2000" spc="400" dirty="0" err="1">
+                <a:solidFill>
+                  <a:srgbClr val="000000"/>
+                </a:solidFill>
+                <a:latin typeface="Rubik Light"/>
+              </a:rPr>
+              <a:t>hingga</a:t>
+            </a:r>
+            <a:r>
+              <a:rPr lang="en-US" sz="2000" spc="400" dirty="0">
+                <a:solidFill>
+                  <a:srgbClr val="000000"/>
+                </a:solidFill>
+                <a:latin typeface="Rubik Light"/>
+              </a:rPr>
+              <a:t> SMA.</a:t>
             </a:r>
           </a:p>
         </p:txBody>
@@ -8058,7 +8634,7 @@
         <p:spPr>
           <a:xfrm>
             <a:off x="1450460" y="3794980"/>
-            <a:ext cx="3932599" cy="390958"/>
+            <a:ext cx="3932599" cy="397545"/>
           </a:xfrm>
           <a:prstGeom prst="rect">
             <a:avLst/>
@@ -8076,13 +8652,31 @@
               </a:lnSpc>
             </a:pPr>
             <a:r>
-              <a:rPr lang="en-US" sz="2394" spc="95">
+              <a:rPr lang="en-US" sz="2394" spc="95" dirty="0" err="1">
                 <a:solidFill>
                   <a:srgbClr val="FFFFFF"/>
                 </a:solidFill>
                 <a:latin typeface="Rubik Light"/>
               </a:rPr>
-              <a:t>merupakan...</a:t>
+              <a:t>M</a:t>
+            </a:r>
+            <a:r>
+              <a:rPr lang="en-US" sz="2394" spc="95" dirty="0" err="1" smtClean="0">
+                <a:solidFill>
+                  <a:srgbClr val="FFFFFF"/>
+                </a:solidFill>
+                <a:latin typeface="Rubik Light"/>
+              </a:rPr>
+              <a:t>erupakan</a:t>
+            </a:r>
+            <a:r>
+              <a:rPr lang="en-US" sz="2394" spc="95" dirty="0">
+                <a:solidFill>
+                  <a:srgbClr val="FFFFFF"/>
+                </a:solidFill>
+                <a:latin typeface="Rubik Light"/>
+              </a:rPr>
+              <a:t>...</a:t>
             </a:r>
           </a:p>
         </p:txBody>
